--- a/Documentation/Images/Figures_Tutorial.pptx
+++ b/Documentation/Images/Figures_Tutorial.pptx
@@ -121,13 +121,45 @@
 <file path=ppt/revisionInfo.xml><?xml version="1.0" encoding="utf-8"?>
 <p1510:revInfo xmlns:a="http://schemas.openxmlformats.org/drawingml/2006/main" xmlns:r="http://schemas.openxmlformats.org/officeDocument/2006/relationships" xmlns:p1510="http://schemas.microsoft.com/office/powerpoint/2015/10/main">
   <p1510:revLst>
-    <p1510:client id="{B9EA1E92-8AC4-459C-B721-D0351103E7A4}" v="45" dt="2020-12-13T19:34:21.511"/>
+    <p1510:client id="{BF29CAED-E2CB-494B-806A-DF84EB3842C5}" v="3" dt="2021-12-18T10:14:54.611"/>
   </p1510:revLst>
 </p1510:revInfo>
 </file>
 
 <file path=ppt/changesInfos/changesInfo1.xml><?xml version="1.0" encoding="utf-8"?>
 <pc:chgInfo xmlns:a="http://schemas.openxmlformats.org/drawingml/2006/main" xmlns:r="http://schemas.openxmlformats.org/officeDocument/2006/relationships" xmlns:ac="http://schemas.microsoft.com/office/drawing/2013/main/command" xmlns:pc="http://schemas.microsoft.com/office/powerpoint/2013/main/command">
+  <pc:docChgLst>
+    <pc:chgData name="Dr. Manel Puig i Vidal" userId="0d549d0e-cb25-4ad8-b3a5-db046c349dfe" providerId="ADAL" clId="{BF29CAED-E2CB-494B-806A-DF84EB3842C5}"/>
+    <pc:docChg chg="custSel modSld">
+      <pc:chgData name="Dr. Manel Puig i Vidal" userId="0d549d0e-cb25-4ad8-b3a5-db046c349dfe" providerId="ADAL" clId="{BF29CAED-E2CB-494B-806A-DF84EB3842C5}" dt="2021-12-18T10:14:34.577" v="15" actId="20577"/>
+      <pc:docMkLst>
+        <pc:docMk/>
+      </pc:docMkLst>
+      <pc:sldChg chg="modSp mod">
+        <pc:chgData name="Dr. Manel Puig i Vidal" userId="0d549d0e-cb25-4ad8-b3a5-db046c349dfe" providerId="ADAL" clId="{BF29CAED-E2CB-494B-806A-DF84EB3842C5}" dt="2021-12-18T10:14:34.577" v="15" actId="20577"/>
+        <pc:sldMkLst>
+          <pc:docMk/>
+          <pc:sldMk cId="2967436431" sldId="262"/>
+        </pc:sldMkLst>
+        <pc:spChg chg="mod">
+          <ac:chgData name="Dr. Manel Puig i Vidal" userId="0d549d0e-cb25-4ad8-b3a5-db046c349dfe" providerId="ADAL" clId="{BF29CAED-E2CB-494B-806A-DF84EB3842C5}" dt="2021-12-18T10:14:34.577" v="15" actId="20577"/>
+          <ac:spMkLst>
+            <pc:docMk/>
+            <pc:sldMk cId="2967436431" sldId="262"/>
+            <ac:spMk id="25" creationId="{C2A1462F-3A2F-49F3-91FD-8F6DAE4CBF17}"/>
+          </ac:spMkLst>
+        </pc:spChg>
+        <pc:spChg chg="mod">
+          <ac:chgData name="Dr. Manel Puig i Vidal" userId="0d549d0e-cb25-4ad8-b3a5-db046c349dfe" providerId="ADAL" clId="{BF29CAED-E2CB-494B-806A-DF84EB3842C5}" dt="2021-12-18T10:14:14.946" v="11" actId="20577"/>
+          <ac:spMkLst>
+            <pc:docMk/>
+            <pc:sldMk cId="2967436431" sldId="262"/>
+            <ac:spMk id="30" creationId="{E0806900-E02C-4F19-9DF4-14F27003E0A9}"/>
+          </ac:spMkLst>
+        </pc:spChg>
+      </pc:sldChg>
+    </pc:docChg>
+  </pc:docChgLst>
   <pc:docChgLst>
     <pc:chgData name="Dr. Manel Puig i Vidal" userId="0d549d0e-cb25-4ad8-b3a5-db046c349dfe" providerId="ADAL" clId="{B9EA1E92-8AC4-459C-B721-D0351103E7A4}"/>
     <pc:docChg chg="custSel addSld modSld">
@@ -939,7 +971,7 @@
           <a:p>
             <a:fld id="{477A5ACE-C18D-4F25-B1CE-78B934F35ED5}" type="datetimeFigureOut">
               <a:rPr lang="es-ES" smtClean="0"/>
-              <a:t>13/12/2020</a:t>
+              <a:t>18/12/2021</a:t>
             </a:fld>
             <a:endParaRPr lang="es-ES" dirty="0"/>
           </a:p>
@@ -1137,7 +1169,7 @@
           <a:p>
             <a:fld id="{477A5ACE-C18D-4F25-B1CE-78B934F35ED5}" type="datetimeFigureOut">
               <a:rPr lang="es-ES" smtClean="0"/>
-              <a:t>13/12/2020</a:t>
+              <a:t>18/12/2021</a:t>
             </a:fld>
             <a:endParaRPr lang="es-ES" dirty="0"/>
           </a:p>
@@ -1345,7 +1377,7 @@
           <a:p>
             <a:fld id="{477A5ACE-C18D-4F25-B1CE-78B934F35ED5}" type="datetimeFigureOut">
               <a:rPr lang="es-ES" smtClean="0"/>
-              <a:t>13/12/2020</a:t>
+              <a:t>18/12/2021</a:t>
             </a:fld>
             <a:endParaRPr lang="es-ES" dirty="0"/>
           </a:p>
@@ -1543,7 +1575,7 @@
           <a:p>
             <a:fld id="{477A5ACE-C18D-4F25-B1CE-78B934F35ED5}" type="datetimeFigureOut">
               <a:rPr lang="es-ES" smtClean="0"/>
-              <a:t>13/12/2020</a:t>
+              <a:t>18/12/2021</a:t>
             </a:fld>
             <a:endParaRPr lang="es-ES" dirty="0"/>
           </a:p>
@@ -1818,7 +1850,7 @@
           <a:p>
             <a:fld id="{477A5ACE-C18D-4F25-B1CE-78B934F35ED5}" type="datetimeFigureOut">
               <a:rPr lang="es-ES" smtClean="0"/>
-              <a:t>13/12/2020</a:t>
+              <a:t>18/12/2021</a:t>
             </a:fld>
             <a:endParaRPr lang="es-ES" dirty="0"/>
           </a:p>
@@ -2083,7 +2115,7 @@
           <a:p>
             <a:fld id="{477A5ACE-C18D-4F25-B1CE-78B934F35ED5}" type="datetimeFigureOut">
               <a:rPr lang="es-ES" smtClean="0"/>
-              <a:t>13/12/2020</a:t>
+              <a:t>18/12/2021</a:t>
             </a:fld>
             <a:endParaRPr lang="es-ES" dirty="0"/>
           </a:p>
@@ -2495,7 +2527,7 @@
           <a:p>
             <a:fld id="{477A5ACE-C18D-4F25-B1CE-78B934F35ED5}" type="datetimeFigureOut">
               <a:rPr lang="es-ES" smtClean="0"/>
-              <a:t>13/12/2020</a:t>
+              <a:t>18/12/2021</a:t>
             </a:fld>
             <a:endParaRPr lang="es-ES" dirty="0"/>
           </a:p>
@@ -2636,7 +2668,7 @@
           <a:p>
             <a:fld id="{477A5ACE-C18D-4F25-B1CE-78B934F35ED5}" type="datetimeFigureOut">
               <a:rPr lang="es-ES" smtClean="0"/>
-              <a:t>13/12/2020</a:t>
+              <a:t>18/12/2021</a:t>
             </a:fld>
             <a:endParaRPr lang="es-ES" dirty="0"/>
           </a:p>
@@ -2749,7 +2781,7 @@
           <a:p>
             <a:fld id="{477A5ACE-C18D-4F25-B1CE-78B934F35ED5}" type="datetimeFigureOut">
               <a:rPr lang="es-ES" smtClean="0"/>
-              <a:t>13/12/2020</a:t>
+              <a:t>18/12/2021</a:t>
             </a:fld>
             <a:endParaRPr lang="es-ES" dirty="0"/>
           </a:p>
@@ -3060,7 +3092,7 @@
           <a:p>
             <a:fld id="{477A5ACE-C18D-4F25-B1CE-78B934F35ED5}" type="datetimeFigureOut">
               <a:rPr lang="es-ES" smtClean="0"/>
-              <a:t>13/12/2020</a:t>
+              <a:t>18/12/2021</a:t>
             </a:fld>
             <a:endParaRPr lang="es-ES" dirty="0"/>
           </a:p>
@@ -3348,7 +3380,7 @@
           <a:p>
             <a:fld id="{477A5ACE-C18D-4F25-B1CE-78B934F35ED5}" type="datetimeFigureOut">
               <a:rPr lang="es-ES" smtClean="0"/>
-              <a:t>13/12/2020</a:t>
+              <a:t>18/12/2021</a:t>
             </a:fld>
             <a:endParaRPr lang="es-ES" dirty="0"/>
           </a:p>
@@ -3589,7 +3621,7 @@
           <a:p>
             <a:fld id="{477A5ACE-C18D-4F25-B1CE-78B934F35ED5}" type="datetimeFigureOut">
               <a:rPr lang="es-ES" smtClean="0"/>
-              <a:t>13/12/2020</a:t>
+              <a:t>18/12/2021</a:t>
             </a:fld>
             <a:endParaRPr lang="es-ES" dirty="0"/>
           </a:p>
@@ -7802,7 +7834,7 @@
         <p:spPr>
           <a:xfrm>
             <a:off x="1831991" y="4001525"/>
-            <a:ext cx="1934889" cy="523220"/>
+            <a:ext cx="1883593" cy="523220"/>
           </a:xfrm>
           <a:prstGeom prst="rect">
             <a:avLst/>
@@ -7823,7 +7855,7 @@
                   </a:schemeClr>
                 </a:solidFill>
               </a:rPr>
-              <a:t>/rUBot_nav</a:t>
+              <a:t>/rubot_nav</a:t>
             </a:r>
             <a:endParaRPr lang="es-ES" sz="2800" b="1" dirty="0">
               <a:solidFill>
@@ -8407,8 +8439,8 @@
         </p:nvSpPr>
         <p:spPr>
           <a:xfrm>
-            <a:off x="5108845" y="213897"/>
-            <a:ext cx="876715" cy="461665"/>
+            <a:off x="4771164" y="163122"/>
+            <a:ext cx="1728678" cy="461665"/>
           </a:xfrm>
           <a:prstGeom prst="rect">
             <a:avLst/>
@@ -8427,7 +8459,7 @@
                   <a:srgbClr val="FF0000"/>
                 </a:solidFill>
               </a:rPr>
-              <a:t>/scan</a:t>
+              <a:t>/image_raw</a:t>
             </a:r>
             <a:endParaRPr lang="es-ES" sz="2400" b="1" dirty="0">
               <a:solidFill>
